--- a/RL-discussion.pptx
+++ b/RL-discussion.pptx
@@ -304,7 +304,7 @@
           <a:p>
             <a:fld id="{073C967A-AC51-4901-98EB-721CF14558CB}" type="datetimeFigureOut">
               <a:rPr lang="en-US" smtClean="0"/>
-              <a:t>3/19/2025</a:t>
+              <a:t>3/20/2025</a:t>
             </a:fld>
             <a:endParaRPr lang="en-US"/>
           </a:p>
@@ -602,7 +602,7 @@
           <a:p>
             <a:fld id="{073C967A-AC51-4901-98EB-721CF14558CB}" type="datetimeFigureOut">
               <a:rPr lang="en-US" smtClean="0"/>
-              <a:t>3/19/2025</a:t>
+              <a:t>3/20/2025</a:t>
             </a:fld>
             <a:endParaRPr lang="en-US"/>
           </a:p>
@@ -794,7 +794,7 @@
           <a:p>
             <a:fld id="{073C967A-AC51-4901-98EB-721CF14558CB}" type="datetimeFigureOut">
               <a:rPr lang="en-US" smtClean="0"/>
-              <a:t>3/19/2025</a:t>
+              <a:t>3/20/2025</a:t>
             </a:fld>
             <a:endParaRPr lang="en-US"/>
           </a:p>
@@ -1055,7 +1055,7 @@
           <a:p>
             <a:fld id="{073C967A-AC51-4901-98EB-721CF14558CB}" type="datetimeFigureOut">
               <a:rPr lang="en-US" smtClean="0"/>
-              <a:t>3/19/2025</a:t>
+              <a:t>3/20/2025</a:t>
             </a:fld>
             <a:endParaRPr lang="en-US"/>
           </a:p>
@@ -1479,7 +1479,7 @@
           <a:p>
             <a:fld id="{073C967A-AC51-4901-98EB-721CF14558CB}" type="datetimeFigureOut">
               <a:rPr lang="en-US" smtClean="0"/>
-              <a:t>3/19/2025</a:t>
+              <a:t>3/20/2025</a:t>
             </a:fld>
             <a:endParaRPr lang="en-US"/>
           </a:p>
@@ -2016,7 +2016,7 @@
           <a:p>
             <a:fld id="{073C967A-AC51-4901-98EB-721CF14558CB}" type="datetimeFigureOut">
               <a:rPr lang="en-US" smtClean="0"/>
-              <a:t>3/19/2025</a:t>
+              <a:t>3/20/2025</a:t>
             </a:fld>
             <a:endParaRPr lang="en-US"/>
           </a:p>
@@ -2880,7 +2880,7 @@
           <a:p>
             <a:fld id="{073C967A-AC51-4901-98EB-721CF14558CB}" type="datetimeFigureOut">
               <a:rPr lang="en-US" smtClean="0"/>
-              <a:t>3/19/2025</a:t>
+              <a:t>3/20/2025</a:t>
             </a:fld>
             <a:endParaRPr lang="en-US"/>
           </a:p>
@@ -3050,7 +3050,7 @@
           <a:p>
             <a:fld id="{073C967A-AC51-4901-98EB-721CF14558CB}" type="datetimeFigureOut">
               <a:rPr lang="en-US" smtClean="0"/>
-              <a:t>3/19/2025</a:t>
+              <a:t>3/20/2025</a:t>
             </a:fld>
             <a:endParaRPr lang="en-US"/>
           </a:p>
@@ -3234,7 +3234,7 @@
           <a:p>
             <a:fld id="{073C967A-AC51-4901-98EB-721CF14558CB}" type="datetimeFigureOut">
               <a:rPr lang="en-US" smtClean="0"/>
-              <a:t>3/19/2025</a:t>
+              <a:t>3/20/2025</a:t>
             </a:fld>
             <a:endParaRPr lang="en-US"/>
           </a:p>
@@ -3404,7 +3404,7 @@
           <a:p>
             <a:fld id="{073C967A-AC51-4901-98EB-721CF14558CB}" type="datetimeFigureOut">
               <a:rPr lang="en-US" smtClean="0"/>
-              <a:t>3/19/2025</a:t>
+              <a:t>3/20/2025</a:t>
             </a:fld>
             <a:endParaRPr lang="en-US"/>
           </a:p>
@@ -3648,7 +3648,7 @@
           <a:p>
             <a:fld id="{073C967A-AC51-4901-98EB-721CF14558CB}" type="datetimeFigureOut">
               <a:rPr lang="en-US" smtClean="0"/>
-              <a:t>3/19/2025</a:t>
+              <a:t>3/20/2025</a:t>
             </a:fld>
             <a:endParaRPr lang="en-US"/>
           </a:p>
@@ -3884,7 +3884,7 @@
           <a:p>
             <a:fld id="{073C967A-AC51-4901-98EB-721CF14558CB}" type="datetimeFigureOut">
               <a:rPr lang="en-US" smtClean="0"/>
-              <a:t>3/19/2025</a:t>
+              <a:t>3/20/2025</a:t>
             </a:fld>
             <a:endParaRPr lang="en-US"/>
           </a:p>
@@ -4350,7 +4350,7 @@
           <a:p>
             <a:fld id="{073C967A-AC51-4901-98EB-721CF14558CB}" type="datetimeFigureOut">
               <a:rPr lang="en-US" smtClean="0"/>
-              <a:t>3/19/2025</a:t>
+              <a:t>3/20/2025</a:t>
             </a:fld>
             <a:endParaRPr lang="en-US"/>
           </a:p>
@@ -4468,7 +4468,7 @@
           <a:p>
             <a:fld id="{073C967A-AC51-4901-98EB-721CF14558CB}" type="datetimeFigureOut">
               <a:rPr lang="en-US" smtClean="0"/>
-              <a:t>3/19/2025</a:t>
+              <a:t>3/20/2025</a:t>
             </a:fld>
             <a:endParaRPr lang="en-US"/>
           </a:p>
@@ -4563,7 +4563,7 @@
           <a:p>
             <a:fld id="{073C967A-AC51-4901-98EB-721CF14558CB}" type="datetimeFigureOut">
               <a:rPr lang="en-US" smtClean="0"/>
-              <a:t>3/19/2025</a:t>
+              <a:t>3/20/2025</a:t>
             </a:fld>
             <a:endParaRPr lang="en-US"/>
           </a:p>
@@ -4818,7 +4818,7 @@
           <a:p>
             <a:fld id="{073C967A-AC51-4901-98EB-721CF14558CB}" type="datetimeFigureOut">
               <a:rPr lang="en-US" smtClean="0"/>
-              <a:t>3/19/2025</a:t>
+              <a:t>3/20/2025</a:t>
             </a:fld>
             <a:endParaRPr lang="en-US"/>
           </a:p>
@@ -5118,7 +5118,7 @@
           <a:p>
             <a:fld id="{073C967A-AC51-4901-98EB-721CF14558CB}" type="datetimeFigureOut">
               <a:rPr lang="en-US" smtClean="0"/>
-              <a:t>3/19/2025</a:t>
+              <a:t>3/20/2025</a:t>
             </a:fld>
             <a:endParaRPr lang="en-US"/>
           </a:p>
@@ -5352,7 +5352,7 @@
           <a:p>
             <a:fld id="{073C967A-AC51-4901-98EB-721CF14558CB}" type="datetimeFigureOut">
               <a:rPr lang="en-US" smtClean="0"/>
-              <a:t>3/19/2025</a:t>
+              <a:t>3/20/2025</a:t>
             </a:fld>
             <a:endParaRPr lang="en-US"/>
           </a:p>
@@ -7161,6 +7161,12 @@
             </a:r>
           </a:p>
           <a:p>
+            <a:r>
+              <a:rPr lang="en-US" dirty="0"/>
+              <a:t>Techniques in this paper make better malicious agents, more influential and much less detectable</a:t>
+            </a:r>
+          </a:p>
+          <a:p>
             <a:endParaRPr lang="en-US" dirty="0"/>
           </a:p>
           <a:p>
@@ -7173,7 +7179,7 @@
             </a:r>
             <a:r>
               <a:rPr lang="en-US" dirty="0"/>
-              <a:t>: Use RL to replicate this adversarial phenomenon to get more realistic malicious agents in the sim.</a:t>
+              <a:t>: Use their approach to get stronger malicious agents in the sim.</a:t>
             </a:r>
           </a:p>
           <a:p>
